--- a/week-4-eda/data_analysis.pptx
+++ b/week-4-eda/data_analysis.pptx
@@ -267,7 +267,7 @@
           <a:p>
             <a:fld id="{D6D0F569-AC90-44EB-9EF4-4E5C2F5D823C}" type="datetime1">
               <a:rPr lang="en-US" smtClean="0"/>
-              <a:t>10/14/2020</a:t>
+              <a:t>3/19/2021</a:t>
             </a:fld>
             <a:endParaRPr lang="en-US" dirty="0"/>
           </a:p>
@@ -470,7 +470,7 @@
             <a:fld id="{5ECD8B30-1B71-45A1-8314-D59C86F581E1}" type="datetime1">
               <a:rPr lang="en-US" smtClean="0"/>
               <a:pPr/>
-              <a:t>10/14/2020</a:t>
+              <a:t>3/19/2021</a:t>
             </a:fld>
             <a:endParaRPr lang="en-US" b="1" dirty="0"/>
           </a:p>
@@ -685,7 +685,7 @@
             <a:fld id="{5ECD8B30-1B71-45A1-8314-D59C86F581E1}" type="datetime1">
               <a:rPr lang="en-US" smtClean="0"/>
               <a:pPr/>
-              <a:t>10/14/2020</a:t>
+              <a:t>3/19/2021</a:t>
             </a:fld>
             <a:endParaRPr lang="en-US" b="1" dirty="0"/>
           </a:p>
@@ -890,7 +890,7 @@
             <a:fld id="{5ECD8B30-1B71-45A1-8314-D59C86F581E1}" type="datetime1">
               <a:rPr lang="en-US" smtClean="0"/>
               <a:pPr/>
-              <a:t>10/14/2020</a:t>
+              <a:t>3/19/2021</a:t>
             </a:fld>
             <a:endParaRPr lang="en-US" b="1" dirty="0"/>
           </a:p>
@@ -1172,7 +1172,7 @@
             <a:fld id="{5ECD8B30-1B71-45A1-8314-D59C86F581E1}" type="datetime1">
               <a:rPr lang="en-US" smtClean="0"/>
               <a:pPr/>
-              <a:t>10/14/2020</a:t>
+              <a:t>3/19/2021</a:t>
             </a:fld>
             <a:endParaRPr lang="en-US" b="1" dirty="0"/>
           </a:p>
@@ -1444,7 +1444,7 @@
             <a:fld id="{5ECD8B30-1B71-45A1-8314-D59C86F581E1}" type="datetime1">
               <a:rPr lang="en-US" smtClean="0"/>
               <a:pPr/>
-              <a:t>10/14/2020</a:t>
+              <a:t>3/19/2021</a:t>
             </a:fld>
             <a:endParaRPr lang="en-US" b="1" dirty="0"/>
           </a:p>
@@ -1863,7 +1863,7 @@
             <a:fld id="{5ECD8B30-1B71-45A1-8314-D59C86F581E1}" type="datetime1">
               <a:rPr lang="en-US" smtClean="0"/>
               <a:pPr/>
-              <a:t>10/14/2020</a:t>
+              <a:t>3/19/2021</a:t>
             </a:fld>
             <a:endParaRPr lang="en-US" b="1" dirty="0"/>
           </a:p>
@@ -2011,7 +2011,7 @@
             <a:fld id="{5ECD8B30-1B71-45A1-8314-D59C86F581E1}" type="datetime1">
               <a:rPr lang="en-US" smtClean="0"/>
               <a:pPr/>
-              <a:t>10/14/2020</a:t>
+              <a:t>3/19/2021</a:t>
             </a:fld>
             <a:endParaRPr lang="en-US" b="1" dirty="0"/>
           </a:p>
@@ -2131,7 +2131,7 @@
             <a:fld id="{5ECD8B30-1B71-45A1-8314-D59C86F581E1}" type="datetime1">
               <a:rPr lang="en-US" smtClean="0"/>
               <a:pPr/>
-              <a:t>10/14/2020</a:t>
+              <a:t>3/19/2021</a:t>
             </a:fld>
             <a:endParaRPr lang="en-US" b="1" dirty="0"/>
           </a:p>
@@ -2449,7 +2449,7 @@
             <a:fld id="{5ECD8B30-1B71-45A1-8314-D59C86F581E1}" type="datetime1">
               <a:rPr lang="en-US" smtClean="0"/>
               <a:pPr/>
-              <a:t>10/14/2020</a:t>
+              <a:t>3/19/2021</a:t>
             </a:fld>
             <a:endParaRPr lang="en-US" b="1" dirty="0"/>
           </a:p>
@@ -2744,7 +2744,7 @@
             <a:fld id="{5ECD8B30-1B71-45A1-8314-D59C86F581E1}" type="datetime1">
               <a:rPr lang="en-US" smtClean="0"/>
               <a:pPr/>
-              <a:t>10/14/2020</a:t>
+              <a:t>3/19/2021</a:t>
             </a:fld>
             <a:endParaRPr lang="en-US" b="1" dirty="0"/>
           </a:p>
@@ -2992,7 +2992,7 @@
             <a:fld id="{5ECD8B30-1B71-45A1-8314-D59C86F581E1}" type="datetime1">
               <a:rPr lang="en-US" smtClean="0"/>
               <a:pPr/>
-              <a:t>10/14/2020</a:t>
+              <a:t>3/19/2021</a:t>
             </a:fld>
             <a:endParaRPr lang="en-US" b="1" dirty="0"/>
           </a:p>
@@ -4864,8 +4864,8 @@
         </p:nvSpPr>
         <p:spPr>
           <a:xfrm>
-            <a:off x="1219199" y="3039818"/>
-            <a:ext cx="4032563" cy="1631216"/>
+            <a:off x="726608" y="2805752"/>
+            <a:ext cx="5270378" cy="1246495"/>
           </a:xfrm>
           <a:prstGeom prst="rect">
             <a:avLst/>
@@ -4904,17 +4904,7 @@
             </a:pPr>
             <a:r>
               <a:rPr lang="en-US" sz="2500" dirty="0"/>
-              <a:t>How to start?</a:t>
-            </a:r>
-          </a:p>
-          <a:p>
-            <a:pPr marL="342900" indent="-342900">
-              <a:buFont typeface="+mj-lt"/>
-              <a:buAutoNum type="arabicPeriod"/>
-            </a:pPr>
-            <a:r>
-              <a:rPr lang="en-US" sz="2500" dirty="0"/>
-              <a:t>What are the steps?</a:t>
+              <a:t>How to start/what are the steps?</a:t>
             </a:r>
           </a:p>
         </p:txBody>
@@ -5875,7 +5865,13 @@
             </a:pPr>
             <a:r>
               <a:rPr lang="en-US" sz="2500" dirty="0"/>
-              <a:t>Formulate your question (</a:t>
+              <a:t>Formulate your question </a:t>
+            </a:r>
+          </a:p>
+          <a:p>
+            <a:r>
+              <a:rPr lang="en-US" sz="2500" dirty="0"/>
+              <a:t>(</a:t>
             </a:r>
             <a:r>
               <a:rPr lang="en-US" sz="2500" dirty="0" err="1"/>
@@ -5891,15 +5887,7 @@
             </a:r>
             <a:r>
               <a:rPr lang="en-US" sz="2500" dirty="0"/>
-              <a:t> cases on east/</a:t>
-            </a:r>
-            <a:r>
-              <a:rPr lang="en-US" sz="2500" dirty="0" err="1"/>
-              <a:t>west,nyc</a:t>
-            </a:r>
-            <a:r>
-              <a:rPr lang="en-US" sz="2500" dirty="0"/>
-              <a:t>/la)</a:t>
+              <a:t> cases on east/west coast)</a:t>
             </a:r>
           </a:p>
           <a:p>
@@ -6592,43 +6580,37 @@
           <a:p>
             <a:r>
               <a:rPr lang="en-US" sz="2500" dirty="0"/>
-              <a:t>The center of the data</a:t>
+              <a:t>avg of the data</a:t>
             </a:r>
           </a:p>
           <a:p>
             <a:r>
               <a:rPr lang="en-US" sz="2500" dirty="0"/>
-              <a:t>The spread among the data members</a:t>
+              <a:t>spread among the data members</a:t>
             </a:r>
           </a:p>
           <a:p>
             <a:r>
               <a:rPr lang="en-US" sz="2500" dirty="0"/>
-              <a:t>The skewness of the data</a:t>
+              <a:t>skewness of the data</a:t>
             </a:r>
           </a:p>
           <a:p>
             <a:r>
               <a:rPr lang="en-US" sz="2500" dirty="0"/>
-              <a:t>The probability distribution the data follows</a:t>
+              <a:t>correlation among the elements in the dataset</a:t>
             </a:r>
           </a:p>
           <a:p>
             <a:r>
               <a:rPr lang="en-US" sz="2500" dirty="0"/>
-              <a:t>The correlation among the elements in the dataset</a:t>
+              <a:t>time variance of parameters</a:t>
             </a:r>
           </a:p>
           <a:p>
             <a:r>
               <a:rPr lang="en-US" sz="2500" dirty="0"/>
-              <a:t>Whether or not the parameters of the data are constant over time</a:t>
-            </a:r>
-          </a:p>
-          <a:p>
-            <a:r>
-              <a:rPr lang="en-US" sz="2500" dirty="0"/>
-              <a:t>The presence of outliers in the data</a:t>
+              <a:t>presence of outliers in the data</a:t>
             </a:r>
           </a:p>
         </p:txBody>
@@ -7339,8 +7321,8 @@
         </p:nvSpPr>
         <p:spPr>
           <a:xfrm>
-            <a:off x="516785" y="238999"/>
-            <a:ext cx="8066223" cy="1278324"/>
+            <a:off x="134272" y="250009"/>
+            <a:ext cx="9435083" cy="1278324"/>
           </a:xfrm>
         </p:spPr>
         <p:txBody>
@@ -7351,7 +7333,7 @@
           <a:p>
             <a:r>
               <a:rPr lang="en-US" sz="3500" dirty="0"/>
-              <a:t>Univariate, Bivariate Multivariate </a:t>
+              <a:t>Univariate, Bivariate, Multivariate </a:t>
             </a:r>
             <a:br>
               <a:rPr lang="en-US" sz="3500" dirty="0"/>
@@ -7501,8 +7483,8 @@
         </p:nvSpPr>
         <p:spPr>
           <a:xfrm>
-            <a:off x="838200" y="1825625"/>
-            <a:ext cx="5558489" cy="4351338"/>
+            <a:off x="311283" y="1898599"/>
+            <a:ext cx="6201792" cy="4351338"/>
           </a:xfrm>
         </p:spPr>
         <p:txBody>
@@ -7511,12 +7493,14 @@
           </a:bodyPr>
           <a:lstStyle/>
           <a:p>
+            <a:pPr algn="just"/>
             <a:r>
               <a:rPr lang="en-US" sz="2000" dirty="0"/>
-              <a:t>Univariate (One): The simplest form of analyzing data. Data has only one variable. It doesn't deal with causes or relationships and its major purpose is to describe; It takes data, summarizes that data and finds patterns in the data.</a:t>
-            </a:r>
-          </a:p>
-          <a:p>
+              <a:t>Univariate (One): Simplest form of analyzing data. It doesn't deal with causes or relationships and its major purpose is to describe. It takes data, summarizes that data and finds patterns in the data.</a:t>
+            </a:r>
+          </a:p>
+          <a:p>
+            <a:pPr algn="just"/>
             <a:r>
               <a:rPr lang="en-US" sz="2000" dirty="0"/>
               <a:t>Bivariate: Involves the analysis of two variables, for the purpose of determining the empirical relationship between them. </a:t>
@@ -7531,9 +7515,10 @@
             </a:r>
           </a:p>
           <a:p>
+            <a:pPr algn="just"/>
             <a:r>
               <a:rPr lang="en-US" sz="2000" dirty="0"/>
-              <a:t>Multivariate: Examine patterns in multidimensional data by considering, at once, several data variables. It is an expansion of bivariate data analysis. </a:t>
+              <a:t>Multivariate: Examine patters in the multi dimensional data by considering several data variables. It is an expansion of bivariate data analysis. </a:t>
             </a:r>
             <a:r>
               <a:rPr lang="en-US" sz="2000" dirty="0" err="1"/>
@@ -7541,15 +7526,7 @@
             </a:r>
             <a:r>
               <a:rPr lang="en-US" sz="2000" dirty="0"/>
-              <a:t>: relation between blood pressure, weight, cholesterol </a:t>
-            </a:r>
-            <a:r>
-              <a:rPr lang="en-US" sz="2000" dirty="0" err="1"/>
-              <a:t>e.t.c</a:t>
-            </a:r>
-            <a:r>
-              <a:rPr lang="en-US" sz="2000" dirty="0"/>
-              <a:t> with functioning of heart.</a:t>
+              <a:t>: relation between blood pressure, weight, cholesterol etc. with functioning of heart.</a:t>
             </a:r>
           </a:p>
         </p:txBody>
@@ -10566,12 +10543,9 @@
               <a:rPr lang="en-US" dirty="0">
                 <a:hlinkClick r:id="rId2"/>
               </a:rPr>
-              <a:t>link</a:t>
-            </a:r>
-            <a:r>
-              <a:rPr lang="en-US" dirty="0"/>
-              <a:t> </a:t>
-            </a:r>
+              <a:t>link </a:t>
+            </a:r>
+            <a:endParaRPr lang="en-US" dirty="0"/>
           </a:p>
           <a:p>
             <a:r>
